--- a/Senin/Basis Data/Minggu 9 - (PHISICAL ERD)/tugas/Kelompok 12.pptx
+++ b/Senin/Basis Data/Minggu 9 - (PHISICAL ERD)/tugas/Kelompok 12.pptx
@@ -7,8 +7,8 @@
   <p:sldIdLst>
     <p:sldId id="259" r:id="rId2"/>
     <p:sldId id="257" r:id="rId3"/>
-    <p:sldId id="260" r:id="rId4"/>
-    <p:sldId id="261" r:id="rId5"/>
+    <p:sldId id="261" r:id="rId4"/>
+    <p:sldId id="260" r:id="rId5"/>
   </p:sldIdLst>
   <p:sldSz cx="9601200" cy="12801600" type="A3"/>
   <p:notesSz cx="9144000" cy="6858000"/>
@@ -246,7 +246,7 @@
           <a:p>
             <a:fld id="{91175D37-5A8F-4BF8-9B0C-B8615DF6122A}" type="datetimeFigureOut">
               <a:rPr lang="en-US" smtClean="0"/>
-              <a:t>11/29/2020</a:t>
+              <a:t>11/30/2020</a:t>
             </a:fld>
             <a:endParaRPr lang="en-US"/>
           </a:p>
@@ -416,7 +416,7 @@
           <a:p>
             <a:fld id="{91175D37-5A8F-4BF8-9B0C-B8615DF6122A}" type="datetimeFigureOut">
               <a:rPr lang="en-US" smtClean="0"/>
-              <a:t>11/29/2020</a:t>
+              <a:t>11/30/2020</a:t>
             </a:fld>
             <a:endParaRPr lang="en-US"/>
           </a:p>
@@ -596,7 +596,7 @@
           <a:p>
             <a:fld id="{91175D37-5A8F-4BF8-9B0C-B8615DF6122A}" type="datetimeFigureOut">
               <a:rPr lang="en-US" smtClean="0"/>
-              <a:t>11/29/2020</a:t>
+              <a:t>11/30/2020</a:t>
             </a:fld>
             <a:endParaRPr lang="en-US"/>
           </a:p>
@@ -766,7 +766,7 @@
           <a:p>
             <a:fld id="{91175D37-5A8F-4BF8-9B0C-B8615DF6122A}" type="datetimeFigureOut">
               <a:rPr lang="en-US" smtClean="0"/>
-              <a:t>11/29/2020</a:t>
+              <a:t>11/30/2020</a:t>
             </a:fld>
             <a:endParaRPr lang="en-US"/>
           </a:p>
@@ -1010,7 +1010,7 @@
           <a:p>
             <a:fld id="{91175D37-5A8F-4BF8-9B0C-B8615DF6122A}" type="datetimeFigureOut">
               <a:rPr lang="en-US" smtClean="0"/>
-              <a:t>11/29/2020</a:t>
+              <a:t>11/30/2020</a:t>
             </a:fld>
             <a:endParaRPr lang="en-US"/>
           </a:p>
@@ -1242,7 +1242,7 @@
           <a:p>
             <a:fld id="{91175D37-5A8F-4BF8-9B0C-B8615DF6122A}" type="datetimeFigureOut">
               <a:rPr lang="en-US" smtClean="0"/>
-              <a:t>11/29/2020</a:t>
+              <a:t>11/30/2020</a:t>
             </a:fld>
             <a:endParaRPr lang="en-US"/>
           </a:p>
@@ -1609,7 +1609,7 @@
           <a:p>
             <a:fld id="{91175D37-5A8F-4BF8-9B0C-B8615DF6122A}" type="datetimeFigureOut">
               <a:rPr lang="en-US" smtClean="0"/>
-              <a:t>11/29/2020</a:t>
+              <a:t>11/30/2020</a:t>
             </a:fld>
             <a:endParaRPr lang="en-US"/>
           </a:p>
@@ -1727,7 +1727,7 @@
           <a:p>
             <a:fld id="{91175D37-5A8F-4BF8-9B0C-B8615DF6122A}" type="datetimeFigureOut">
               <a:rPr lang="en-US" smtClean="0"/>
-              <a:t>11/29/2020</a:t>
+              <a:t>11/30/2020</a:t>
             </a:fld>
             <a:endParaRPr lang="en-US"/>
           </a:p>
@@ -1822,7 +1822,7 @@
           <a:p>
             <a:fld id="{91175D37-5A8F-4BF8-9B0C-B8615DF6122A}" type="datetimeFigureOut">
               <a:rPr lang="en-US" smtClean="0"/>
-              <a:t>11/29/2020</a:t>
+              <a:t>11/30/2020</a:t>
             </a:fld>
             <a:endParaRPr lang="en-US"/>
           </a:p>
@@ -2099,7 +2099,7 @@
           <a:p>
             <a:fld id="{91175D37-5A8F-4BF8-9B0C-B8615DF6122A}" type="datetimeFigureOut">
               <a:rPr lang="en-US" smtClean="0"/>
-              <a:t>11/29/2020</a:t>
+              <a:t>11/30/2020</a:t>
             </a:fld>
             <a:endParaRPr lang="en-US"/>
           </a:p>
@@ -2356,7 +2356,7 @@
           <a:p>
             <a:fld id="{91175D37-5A8F-4BF8-9B0C-B8615DF6122A}" type="datetimeFigureOut">
               <a:rPr lang="en-US" smtClean="0"/>
-              <a:t>11/29/2020</a:t>
+              <a:t>11/30/2020</a:t>
             </a:fld>
             <a:endParaRPr lang="en-US"/>
           </a:p>
@@ -2569,7 +2569,7 @@
           <a:p>
             <a:fld id="{91175D37-5A8F-4BF8-9B0C-B8615DF6122A}" type="datetimeFigureOut">
               <a:rPr lang="en-US" smtClean="0"/>
-              <a:t>11/29/2020</a:t>
+              <a:t>11/30/2020</a:t>
             </a:fld>
             <a:endParaRPr lang="en-US"/>
           </a:p>
@@ -9608,9 +9608,34 @@
           <a:chExt cx="0" cy="0"/>
         </a:xfrm>
       </p:grpSpPr>
+      <p:pic>
+        <p:nvPicPr>
+          <p:cNvPr id="4" name="Picture 3"/>
+          <p:cNvPicPr/>
+          <p:nvPr/>
+        </p:nvPicPr>
+        <p:blipFill>
+          <a:blip r:embed="rId2"/>
+          <a:stretch>
+            <a:fillRect/>
+          </a:stretch>
+        </p:blipFill>
+        <p:spPr>
+          <a:xfrm>
+            <a:off x="30600" y="732145"/>
+            <a:ext cx="9540000" cy="7476490"/>
+          </a:xfrm>
+          <a:prstGeom prst="rect">
+            <a:avLst/>
+          </a:prstGeom>
+          <a:ln>
+            <a:noFill/>
+          </a:ln>
+        </p:spPr>
+      </p:pic>
       <p:sp>
         <p:nvSpPr>
-          <p:cNvPr id="2" name="TextBox 1"/>
+          <p:cNvPr id="3" name="TextBox 2"/>
           <p:cNvSpPr txBox="1"/>
           <p:nvPr/>
         </p:nvSpPr>
@@ -9644,13 +9669,13 @@
       </p:sp>
       <p:sp>
         <p:nvSpPr>
-          <p:cNvPr id="6" name="TextBox 5"/>
+          <p:cNvPr id="5" name="TextBox 4"/>
           <p:cNvSpPr txBox="1"/>
           <p:nvPr/>
         </p:nvSpPr>
         <p:spPr>
           <a:xfrm>
-            <a:off x="500386" y="1019175"/>
+            <a:off x="449586" y="8208635"/>
             <a:ext cx="590354" cy="307777"/>
           </a:xfrm>
           <a:prstGeom prst="rect">
@@ -9674,20 +9699,20 @@
       </p:sp>
       <p:graphicFrame>
         <p:nvGraphicFramePr>
-          <p:cNvPr id="5" name="Table 4"/>
+          <p:cNvPr id="6" name="Table 5"/>
           <p:cNvGraphicFramePr>
             <a:graphicFrameLocks noGrp="1"/>
           </p:cNvGraphicFramePr>
           <p:nvPr>
             <p:extLst>
               <p:ext uri="{D42A27DB-BD31-4B8C-83A1-F6EECF244321}">
-                <p14:modId xmlns:p14="http://schemas.microsoft.com/office/powerpoint/2010/main" val="1754415929"/>
+                <p14:modId xmlns:p14="http://schemas.microsoft.com/office/powerpoint/2010/main" val="3198714084"/>
               </p:ext>
             </p:extLst>
           </p:nvPr>
         </p:nvGraphicFramePr>
         <p:xfrm>
-          <a:off x="480599" y="1326952"/>
+          <a:off x="429799" y="8516412"/>
           <a:ext cx="8640003" cy="1008001"/>
         </p:xfrm>
         <a:graphic>
@@ -12405,52 +12430,22 @@
           </a:graphicData>
         </a:graphic>
       </p:graphicFrame>
-      <p:sp>
-        <p:nvSpPr>
-          <p:cNvPr id="7" name="TextBox 6"/>
-          <p:cNvSpPr txBox="1"/>
-          <p:nvPr/>
-        </p:nvSpPr>
-        <p:spPr>
-          <a:xfrm>
-            <a:off x="500386" y="5629932"/>
-            <a:ext cx="748282" cy="307777"/>
-          </a:xfrm>
-          <a:prstGeom prst="rect">
-            <a:avLst/>
-          </a:prstGeom>
-          <a:noFill/>
-        </p:spPr>
-        <p:txBody>
-          <a:bodyPr wrap="none" rtlCol="0">
-            <a:spAutoFit/>
-          </a:bodyPr>
-          <a:lstStyle/>
-          <a:p>
-            <a:r>
-              <a:rPr lang="id-ID" sz="1400" dirty="0" smtClean="0"/>
-              <a:t>Jabatan</a:t>
-            </a:r>
-            <a:endParaRPr lang="en-US" sz="1400" dirty="0"/>
-          </a:p>
-        </p:txBody>
-      </p:sp>
       <p:graphicFrame>
         <p:nvGraphicFramePr>
-          <p:cNvPr id="8" name="Table 7"/>
+          <p:cNvPr id="7" name="Table 6"/>
           <p:cNvGraphicFramePr>
             <a:graphicFrameLocks noGrp="1"/>
           </p:cNvGraphicFramePr>
           <p:nvPr>
             <p:extLst>
               <p:ext uri="{D42A27DB-BD31-4B8C-83A1-F6EECF244321}">
-                <p14:modId xmlns:p14="http://schemas.microsoft.com/office/powerpoint/2010/main" val="2428375757"/>
+                <p14:modId xmlns:p14="http://schemas.microsoft.com/office/powerpoint/2010/main" val="2500090178"/>
               </p:ext>
             </p:extLst>
           </p:nvPr>
         </p:nvGraphicFramePr>
         <p:xfrm>
-          <a:off x="499614" y="3029830"/>
+          <a:off x="448814" y="10219290"/>
           <a:ext cx="1980000" cy="762000"/>
         </p:xfrm>
         <a:graphic>
@@ -12965,20 +12960,20 @@
       </p:graphicFrame>
       <p:graphicFrame>
         <p:nvGraphicFramePr>
-          <p:cNvPr id="9" name="Table 8"/>
+          <p:cNvPr id="8" name="Table 7"/>
           <p:cNvGraphicFramePr>
             <a:graphicFrameLocks noGrp="1"/>
           </p:cNvGraphicFramePr>
           <p:nvPr>
             <p:extLst>
               <p:ext uri="{D42A27DB-BD31-4B8C-83A1-F6EECF244321}">
-                <p14:modId xmlns:p14="http://schemas.microsoft.com/office/powerpoint/2010/main" val="1771899053"/>
+                <p14:modId xmlns:p14="http://schemas.microsoft.com/office/powerpoint/2010/main" val="695133245"/>
               </p:ext>
             </p:extLst>
           </p:nvPr>
         </p:nvGraphicFramePr>
         <p:xfrm>
-          <a:off x="480601" y="4486707"/>
+          <a:off x="429801" y="11676167"/>
           <a:ext cx="8639999" cy="762000"/>
         </p:xfrm>
         <a:graphic>
@@ -13921,20 +13916,20 @@
       </p:graphicFrame>
       <p:graphicFrame>
         <p:nvGraphicFramePr>
-          <p:cNvPr id="10" name="Table 9"/>
+          <p:cNvPr id="9" name="Table 8"/>
           <p:cNvGraphicFramePr>
             <a:graphicFrameLocks noGrp="1"/>
           </p:cNvGraphicFramePr>
           <p:nvPr>
             <p:extLst>
               <p:ext uri="{D42A27DB-BD31-4B8C-83A1-F6EECF244321}">
-                <p14:modId xmlns:p14="http://schemas.microsoft.com/office/powerpoint/2010/main" val="1676607094"/>
+                <p14:modId xmlns:p14="http://schemas.microsoft.com/office/powerpoint/2010/main" val="4124876547"/>
               </p:ext>
             </p:extLst>
           </p:nvPr>
         </p:nvGraphicFramePr>
         <p:xfrm>
-          <a:off x="2640601" y="3029830"/>
+          <a:off x="2589801" y="10219290"/>
           <a:ext cx="6480001" cy="762000"/>
         </p:xfrm>
         <a:graphic>
@@ -14691,6 +14686,156 @@
           </a:graphicData>
         </a:graphic>
       </p:graphicFrame>
+      <p:sp>
+        <p:nvSpPr>
+          <p:cNvPr id="10" name="TextBox 9"/>
+          <p:cNvSpPr txBox="1"/>
+          <p:nvPr/>
+        </p:nvSpPr>
+        <p:spPr>
+          <a:xfrm>
+            <a:off x="449586" y="9919180"/>
+            <a:ext cx="649537" cy="307777"/>
+          </a:xfrm>
+          <a:prstGeom prst="rect">
+            <a:avLst/>
+          </a:prstGeom>
+          <a:noFill/>
+        </p:spPr>
+        <p:txBody>
+          <a:bodyPr wrap="none" rtlCol="0">
+            <a:spAutoFit/>
+          </a:bodyPr>
+          <a:lstStyle/>
+          <a:p>
+            <a:r>
+              <a:rPr lang="id-ID" sz="1400" dirty="0" smtClean="0"/>
+              <a:t>Supler</a:t>
+            </a:r>
+            <a:endParaRPr lang="en-US" sz="1400" dirty="0"/>
+          </a:p>
+        </p:txBody>
+      </p:sp>
+      <p:sp>
+        <p:nvSpPr>
+          <p:cNvPr id="11" name="TextBox 10"/>
+          <p:cNvSpPr txBox="1"/>
+          <p:nvPr/>
+        </p:nvSpPr>
+        <p:spPr>
+          <a:xfrm>
+            <a:off x="449586" y="11359666"/>
+            <a:ext cx="905633" cy="307777"/>
+          </a:xfrm>
+          <a:prstGeom prst="rect">
+            <a:avLst/>
+          </a:prstGeom>
+          <a:noFill/>
+        </p:spPr>
+        <p:txBody>
+          <a:bodyPr wrap="none" rtlCol="0">
+            <a:spAutoFit/>
+          </a:bodyPr>
+          <a:lstStyle/>
+          <a:p>
+            <a:r>
+              <a:rPr lang="id-ID" sz="1400" dirty="0" smtClean="0"/>
+              <a:t>Penjualan</a:t>
+            </a:r>
+            <a:endParaRPr lang="en-US" sz="1400" dirty="0"/>
+          </a:p>
+        </p:txBody>
+      </p:sp>
+      <p:sp>
+        <p:nvSpPr>
+          <p:cNvPr id="12" name="TextBox 11"/>
+          <p:cNvSpPr txBox="1"/>
+          <p:nvPr/>
+        </p:nvSpPr>
+        <p:spPr>
+          <a:xfrm>
+            <a:off x="2578820" y="9912829"/>
+            <a:ext cx="1286506" cy="307777"/>
+          </a:xfrm>
+          <a:prstGeom prst="rect">
+            <a:avLst/>
+          </a:prstGeom>
+          <a:noFill/>
+        </p:spPr>
+        <p:txBody>
+          <a:bodyPr wrap="none" rtlCol="0">
+            <a:spAutoFit/>
+          </a:bodyPr>
+          <a:lstStyle/>
+          <a:p>
+            <a:r>
+              <a:rPr lang="id-ID" sz="1400" dirty="0" smtClean="0"/>
+              <a:t>Penjualan Data</a:t>
+            </a:r>
+            <a:endParaRPr lang="en-US" sz="1400" dirty="0"/>
+          </a:p>
+        </p:txBody>
+      </p:sp>
+    </p:spTree>
+    <p:extLst>
+      <p:ext uri="{BB962C8B-B14F-4D97-AF65-F5344CB8AC3E}">
+        <p14:creationId xmlns:p14="http://schemas.microsoft.com/office/powerpoint/2010/main" val="2233951977"/>
+      </p:ext>
+    </p:extLst>
+  </p:cSld>
+  <p:clrMapOvr>
+    <a:masterClrMapping/>
+  </p:clrMapOvr>
+</p:sld>
+</file>
+
+<file path=ppt/slides/slide4.xml><?xml version="1.0" encoding="utf-8"?>
+<p:sld xmlns:a="http://schemas.openxmlformats.org/drawingml/2006/main" xmlns:r="http://schemas.openxmlformats.org/officeDocument/2006/relationships" xmlns:p="http://schemas.openxmlformats.org/presentationml/2006/main">
+  <p:cSld>
+    <p:spTree>
+      <p:nvGrpSpPr>
+        <p:cNvPr id="1" name=""/>
+        <p:cNvGrpSpPr/>
+        <p:nvPr/>
+      </p:nvGrpSpPr>
+      <p:grpSpPr>
+        <a:xfrm>
+          <a:off x="0" y="0"/>
+          <a:ext cx="0" cy="0"/>
+          <a:chOff x="0" y="0"/>
+          <a:chExt cx="0" cy="0"/>
+        </a:xfrm>
+      </p:grpSpPr>
+      <p:sp>
+        <p:nvSpPr>
+          <p:cNvPr id="7" name="TextBox 6"/>
+          <p:cNvSpPr txBox="1"/>
+          <p:nvPr/>
+        </p:nvSpPr>
+        <p:spPr>
+          <a:xfrm>
+            <a:off x="424186" y="422932"/>
+            <a:ext cx="748282" cy="307777"/>
+          </a:xfrm>
+          <a:prstGeom prst="rect">
+            <a:avLst/>
+          </a:prstGeom>
+          <a:noFill/>
+        </p:spPr>
+        <p:txBody>
+          <a:bodyPr wrap="none" rtlCol="0">
+            <a:spAutoFit/>
+          </a:bodyPr>
+          <a:lstStyle/>
+          <a:p>
+            <a:r>
+              <a:rPr lang="id-ID" sz="1400" dirty="0" smtClean="0"/>
+              <a:t>Jabatan</a:t>
+            </a:r>
+            <a:endParaRPr lang="en-US" sz="1400" dirty="0"/>
+          </a:p>
+        </p:txBody>
+      </p:sp>
       <p:graphicFrame>
         <p:nvGraphicFramePr>
           <p:cNvPr id="11" name="Table 10"/>
@@ -14700,13 +14845,13 @@
           <p:nvPr>
             <p:extLst>
               <p:ext uri="{D42A27DB-BD31-4B8C-83A1-F6EECF244321}">
-                <p14:modId xmlns:p14="http://schemas.microsoft.com/office/powerpoint/2010/main" val="3285953326"/>
+                <p14:modId xmlns:p14="http://schemas.microsoft.com/office/powerpoint/2010/main" val="2881782041"/>
               </p:ext>
             </p:extLst>
           </p:nvPr>
         </p:nvGraphicFramePr>
         <p:xfrm>
-          <a:off x="483937" y="8857338"/>
+          <a:off x="407737" y="3650338"/>
           <a:ext cx="8640000" cy="775933"/>
         </p:xfrm>
         <a:graphic>
@@ -16065,43 +16210,13 @@
       </p:graphicFrame>
       <p:sp>
         <p:nvSpPr>
-          <p:cNvPr id="12" name="TextBox 11"/>
-          <p:cNvSpPr txBox="1"/>
-          <p:nvPr/>
-        </p:nvSpPr>
-        <p:spPr>
-          <a:xfrm>
-            <a:off x="500386" y="2729720"/>
-            <a:ext cx="649537" cy="307777"/>
-          </a:xfrm>
-          <a:prstGeom prst="rect">
-            <a:avLst/>
-          </a:prstGeom>
-          <a:noFill/>
-        </p:spPr>
-        <p:txBody>
-          <a:bodyPr wrap="none" rtlCol="0">
-            <a:spAutoFit/>
-          </a:bodyPr>
-          <a:lstStyle/>
-          <a:p>
-            <a:r>
-              <a:rPr lang="id-ID" sz="1400" dirty="0" smtClean="0"/>
-              <a:t>Supler</a:t>
-            </a:r>
-            <a:endParaRPr lang="en-US" sz="1400" dirty="0"/>
-          </a:p>
-        </p:txBody>
-      </p:sp>
-      <p:sp>
-        <p:nvSpPr>
           <p:cNvPr id="13" name="TextBox 12"/>
           <p:cNvSpPr txBox="1"/>
           <p:nvPr/>
         </p:nvSpPr>
         <p:spPr>
           <a:xfrm>
-            <a:off x="2645093" y="5631612"/>
+            <a:off x="2568893" y="424612"/>
             <a:ext cx="988860" cy="307777"/>
           </a:xfrm>
           <a:prstGeom prst="rect">
@@ -16123,36 +16238,6 @@
           </a:p>
         </p:txBody>
       </p:sp>
-      <p:sp>
-        <p:nvSpPr>
-          <p:cNvPr id="14" name="TextBox 13"/>
-          <p:cNvSpPr txBox="1"/>
-          <p:nvPr/>
-        </p:nvSpPr>
-        <p:spPr>
-          <a:xfrm>
-            <a:off x="500386" y="4170206"/>
-            <a:ext cx="905633" cy="307777"/>
-          </a:xfrm>
-          <a:prstGeom prst="rect">
-            <a:avLst/>
-          </a:prstGeom>
-          <a:noFill/>
-        </p:spPr>
-        <p:txBody>
-          <a:bodyPr wrap="none" rtlCol="0">
-            <a:spAutoFit/>
-          </a:bodyPr>
-          <a:lstStyle/>
-          <a:p>
-            <a:r>
-              <a:rPr lang="id-ID" sz="1400" dirty="0" smtClean="0"/>
-              <a:t>Penjualan</a:t>
-            </a:r>
-            <a:endParaRPr lang="en-US" sz="1400" dirty="0"/>
-          </a:p>
-        </p:txBody>
-      </p:sp>
       <p:graphicFrame>
         <p:nvGraphicFramePr>
           <p:cNvPr id="15" name="Table 14"/>
@@ -16162,13 +16247,13 @@
           <p:nvPr>
             <p:extLst>
               <p:ext uri="{D42A27DB-BD31-4B8C-83A1-F6EECF244321}">
-                <p14:modId xmlns:p14="http://schemas.microsoft.com/office/powerpoint/2010/main" val="2886031662"/>
+                <p14:modId xmlns:p14="http://schemas.microsoft.com/office/powerpoint/2010/main" val="3745593805"/>
               </p:ext>
             </p:extLst>
           </p:nvPr>
         </p:nvGraphicFramePr>
         <p:xfrm>
-          <a:off x="2640601" y="5943584"/>
+          <a:off x="2564401" y="736584"/>
           <a:ext cx="6480001" cy="762000"/>
         </p:xfrm>
         <a:graphic>
@@ -17118,13 +17203,13 @@
           <p:nvPr>
             <p:extLst>
               <p:ext uri="{D42A27DB-BD31-4B8C-83A1-F6EECF244321}">
-                <p14:modId xmlns:p14="http://schemas.microsoft.com/office/powerpoint/2010/main" val="3666315187"/>
+                <p14:modId xmlns:p14="http://schemas.microsoft.com/office/powerpoint/2010/main" val="1603412776"/>
               </p:ext>
             </p:extLst>
           </p:nvPr>
         </p:nvGraphicFramePr>
         <p:xfrm>
-          <a:off x="480600" y="7400461"/>
+          <a:off x="404400" y="2193461"/>
           <a:ext cx="8640000" cy="762000"/>
         </p:xfrm>
         <a:graphic>
@@ -17890,13 +17975,13 @@
           <p:nvPr>
             <p:extLst>
               <p:ext uri="{D42A27DB-BD31-4B8C-83A1-F6EECF244321}">
-                <p14:modId xmlns:p14="http://schemas.microsoft.com/office/powerpoint/2010/main" val="3176911974"/>
+                <p14:modId xmlns:p14="http://schemas.microsoft.com/office/powerpoint/2010/main" val="2464966610"/>
               </p:ext>
             </p:extLst>
           </p:nvPr>
         </p:nvGraphicFramePr>
         <p:xfrm>
-          <a:off x="483939" y="10328150"/>
+          <a:off x="407739" y="5121150"/>
           <a:ext cx="8639996" cy="762000"/>
         </p:xfrm>
         <a:graphic>
@@ -19588,13 +19673,13 @@
           <p:nvPr>
             <p:extLst>
               <p:ext uri="{D42A27DB-BD31-4B8C-83A1-F6EECF244321}">
-                <p14:modId xmlns:p14="http://schemas.microsoft.com/office/powerpoint/2010/main" val="1131470081"/>
+                <p14:modId xmlns:p14="http://schemas.microsoft.com/office/powerpoint/2010/main" val="167830374"/>
               </p:ext>
             </p:extLst>
           </p:nvPr>
         </p:nvGraphicFramePr>
         <p:xfrm>
-          <a:off x="480599" y="5943584"/>
+          <a:off x="404399" y="736584"/>
           <a:ext cx="1980000" cy="762000"/>
         </p:xfrm>
         <a:graphic>
@@ -20109,43 +20194,13 @@
       </p:graphicFrame>
       <p:sp>
         <p:nvSpPr>
-          <p:cNvPr id="20" name="TextBox 19"/>
-          <p:cNvSpPr txBox="1"/>
-          <p:nvPr/>
-        </p:nvSpPr>
-        <p:spPr>
-          <a:xfrm>
-            <a:off x="2629620" y="2723369"/>
-            <a:ext cx="1286506" cy="307777"/>
-          </a:xfrm>
-          <a:prstGeom prst="rect">
-            <a:avLst/>
-          </a:prstGeom>
-          <a:noFill/>
-        </p:spPr>
-        <p:txBody>
-          <a:bodyPr wrap="none" rtlCol="0">
-            <a:spAutoFit/>
-          </a:bodyPr>
-          <a:lstStyle/>
-          <a:p>
-            <a:r>
-              <a:rPr lang="id-ID" sz="1400" dirty="0" smtClean="0"/>
-              <a:t>Penjualan Data</a:t>
-            </a:r>
-            <a:endParaRPr lang="en-US" sz="1400" dirty="0"/>
-          </a:p>
-        </p:txBody>
-      </p:sp>
-      <p:sp>
-        <p:nvSpPr>
           <p:cNvPr id="21" name="TextBox 20"/>
           <p:cNvSpPr txBox="1"/>
           <p:nvPr/>
         </p:nvSpPr>
         <p:spPr>
           <a:xfrm>
-            <a:off x="500386" y="7077703"/>
+            <a:off x="424186" y="1870703"/>
             <a:ext cx="1369734" cy="307777"/>
           </a:xfrm>
           <a:prstGeom prst="rect">
@@ -20175,7 +20230,7 @@
         </p:nvSpPr>
         <p:spPr>
           <a:xfrm>
-            <a:off x="500386" y="10086801"/>
+            <a:off x="424186" y="4879801"/>
             <a:ext cx="1074846" cy="307777"/>
           </a:xfrm>
           <a:prstGeom prst="rect">
@@ -20205,7 +20260,7 @@
         </p:nvSpPr>
         <p:spPr>
           <a:xfrm>
-            <a:off x="500386" y="8530145"/>
+            <a:off x="424186" y="3323145"/>
             <a:ext cx="691215" cy="307777"/>
           </a:xfrm>
           <a:prstGeom prst="rect">
@@ -20231,61 +20286,6 @@
     <p:extLst>
       <p:ext uri="{BB962C8B-B14F-4D97-AF65-F5344CB8AC3E}">
         <p14:creationId xmlns:p14="http://schemas.microsoft.com/office/powerpoint/2010/main" val="1533793908"/>
-      </p:ext>
-    </p:extLst>
-  </p:cSld>
-  <p:clrMapOvr>
-    <a:masterClrMapping/>
-  </p:clrMapOvr>
-</p:sld>
-</file>
-
-<file path=ppt/slides/slide4.xml><?xml version="1.0" encoding="utf-8"?>
-<p:sld xmlns:a="http://schemas.openxmlformats.org/drawingml/2006/main" xmlns:r="http://schemas.openxmlformats.org/officeDocument/2006/relationships" xmlns:p="http://schemas.openxmlformats.org/presentationml/2006/main">
-  <p:cSld>
-    <p:spTree>
-      <p:nvGrpSpPr>
-        <p:cNvPr id="1" name=""/>
-        <p:cNvGrpSpPr/>
-        <p:nvPr/>
-      </p:nvGrpSpPr>
-      <p:grpSpPr>
-        <a:xfrm>
-          <a:off x="0" y="0"/>
-          <a:ext cx="0" cy="0"/>
-          <a:chOff x="0" y="0"/>
-          <a:chExt cx="0" cy="0"/>
-        </a:xfrm>
-      </p:grpSpPr>
-      <p:pic>
-        <p:nvPicPr>
-          <p:cNvPr id="4" name="Picture 3"/>
-          <p:cNvPicPr/>
-          <p:nvPr/>
-        </p:nvPicPr>
-        <p:blipFill>
-          <a:blip r:embed="rId2"/>
-          <a:stretch>
-            <a:fillRect/>
-          </a:stretch>
-        </p:blipFill>
-        <p:spPr>
-          <a:xfrm>
-            <a:off x="30600" y="282211"/>
-            <a:ext cx="9540000" cy="7476490"/>
-          </a:xfrm>
-          <a:prstGeom prst="rect">
-            <a:avLst/>
-          </a:prstGeom>
-          <a:ln>
-            <a:noFill/>
-          </a:ln>
-        </p:spPr>
-      </p:pic>
-    </p:spTree>
-    <p:extLst>
-      <p:ext uri="{BB962C8B-B14F-4D97-AF65-F5344CB8AC3E}">
-        <p14:creationId xmlns:p14="http://schemas.microsoft.com/office/powerpoint/2010/main" val="2233951977"/>
       </p:ext>
     </p:extLst>
   </p:cSld>
